--- a/PPTs/9.0.Variable_scopes.pl.pptx
+++ b/PPTs/9.0.Variable_scopes.pl.pptx
@@ -5,7 +5,7 @@
     <p:sldMasterId id="2147483960" r:id="rId1"/>
   </p:sldMasterIdLst>
   <p:notesMasterIdLst>
-    <p:notesMasterId r:id="rId12"/>
+    <p:notesMasterId r:id="rId13"/>
   </p:notesMasterIdLst>
   <p:sldIdLst>
     <p:sldId id="256" r:id="rId2"/>
@@ -17,7 +17,8 @@
     <p:sldId id="259" r:id="rId8"/>
     <p:sldId id="268" r:id="rId9"/>
     <p:sldId id="267" r:id="rId10"/>
-    <p:sldId id="266" r:id="rId11"/>
+    <p:sldId id="269" r:id="rId11"/>
+    <p:sldId id="266" r:id="rId12"/>
   </p:sldIdLst>
   <p:sldSz cx="9144000" cy="5143500" type="screen16x9"/>
   <p:notesSz cx="6858000" cy="9144000"/>
@@ -201,7 +202,8 @@
           <a:p>
             <a:fld id="{2A7ABEEA-47E5-4338-9275-DB907DD19C22}" type="datetimeFigureOut">
               <a:rPr lang="en-US" smtClean="0"/>
-              <a:t>6/7/2017</a:t>
+              <a:pPr/>
+              <a:t>6/9/2017</a:t>
             </a:fld>
             <a:endParaRPr lang="en-US"/>
           </a:p>
@@ -362,6 +364,7 @@
           <a:p>
             <a:fld id="{27212CB9-F977-404B-8B09-F63C3E49E0A7}" type="slidenum">
               <a:rPr lang="en-US" smtClean="0"/>
+              <a:pPr/>
               <a:t>‹#›</a:t>
             </a:fld>
             <a:endParaRPr lang="en-US"/>
@@ -537,6 +540,7 @@
           <a:p>
             <a:fld id="{27212CB9-F977-404B-8B09-F63C3E49E0A7}" type="slidenum">
               <a:rPr lang="en-US" smtClean="0"/>
+              <a:pPr/>
               <a:t>2</a:t>
             </a:fld>
             <a:endParaRPr lang="en-US"/>
@@ -740,7 +744,7 @@
             <a:fld id="{C8A432C8-69A7-458B-9684-2BFA64B31948}" type="datetime2">
               <a:rPr lang="en-US" smtClean="0"/>
               <a:pPr/>
-              <a:t>Wednesday, June 07, 2017</a:t>
+              <a:t>Friday, June 09, 2017</a:t>
             </a:fld>
             <a:endParaRPr lang="en-US"/>
           </a:p>
@@ -943,7 +947,7 @@
             <a:fld id="{8CC057FC-95B6-4D89-AFDA-ABA33EE921E5}" type="datetime2">
               <a:rPr lang="en-US" smtClean="0"/>
               <a:pPr/>
-              <a:t>Wednesday, June 07, 2017</a:t>
+              <a:t>Friday, June 09, 2017</a:t>
             </a:fld>
             <a:endParaRPr lang="en-US"/>
           </a:p>
@@ -1121,7 +1125,7 @@
             <a:fld id="{EC4549AC-EB31-477F-92A9-B1988E232878}" type="datetime2">
               <a:rPr lang="en-US" smtClean="0"/>
               <a:pPr/>
-              <a:t>Wednesday, June 07, 2017</a:t>
+              <a:t>Friday, June 09, 2017</a:t>
             </a:fld>
             <a:endParaRPr lang="en-US"/>
           </a:p>
@@ -1289,7 +1293,7 @@
             <a:fld id="{6396A3A3-94A6-4E5B-AF39-173ACA3E61CC}" type="datetime2">
               <a:rPr lang="en-US" smtClean="0"/>
               <a:pPr/>
-              <a:t>Wednesday, June 07, 2017</a:t>
+              <a:t>Friday, June 09, 2017</a:t>
             </a:fld>
             <a:endParaRPr lang="en-US"/>
           </a:p>
@@ -1540,7 +1544,7 @@
             <a:fld id="{9933D019-A32C-4EAD-B8E6-DBDA699692FD}" type="datetime2">
               <a:rPr lang="en-US" smtClean="0"/>
               <a:pPr/>
-              <a:t>Wednesday, June 07, 2017</a:t>
+              <a:t>Friday, June 09, 2017</a:t>
             </a:fld>
             <a:endParaRPr lang="en-US"/>
           </a:p>
@@ -1861,7 +1865,7 @@
             <a:fld id="{CCEBA98F-560C-4997-81C4-81D4D9187EAB}" type="datetime2">
               <a:rPr lang="en-US" smtClean="0"/>
               <a:pPr/>
-              <a:t>Wednesday, June 07, 2017</a:t>
+              <a:t>Friday, June 09, 2017</a:t>
             </a:fld>
             <a:endParaRPr lang="en-US"/>
           </a:p>
@@ -2330,7 +2334,7 @@
             <a:fld id="{150972B2-CA5C-437D-87D0-8081271A9E4B}" type="datetime2">
               <a:rPr lang="en-US" smtClean="0"/>
               <a:pPr/>
-              <a:t>Wednesday, June 07, 2017</a:t>
+              <a:t>Friday, June 09, 2017</a:t>
             </a:fld>
             <a:endParaRPr lang="en-US"/>
           </a:p>
@@ -2481,7 +2485,7 @@
             <a:fld id="{79CD4847-11EF-4466-A8AD-85CDB7B49118}" type="datetime2">
               <a:rPr lang="en-US" smtClean="0"/>
               <a:pPr/>
-              <a:t>Wednesday, June 07, 2017</a:t>
+              <a:t>Friday, June 09, 2017</a:t>
             </a:fld>
             <a:endParaRPr lang="en-US"/>
           </a:p>
@@ -2574,7 +2578,7 @@
             <a:fld id="{F168457A-3AB9-4880-8A0C-9F8524491207}" type="datetime2">
               <a:rPr lang="en-US" smtClean="0"/>
               <a:pPr/>
-              <a:t>Wednesday, June 07, 2017</a:t>
+              <a:t>Friday, June 09, 2017</a:t>
             </a:fld>
             <a:endParaRPr lang="en-US"/>
           </a:p>
@@ -2851,7 +2855,7 @@
             <a:fld id="{3FE976D3-5B7F-4300-ABED-C91F1B2AE209}" type="datetime2">
               <a:rPr lang="en-US" smtClean="0"/>
               <a:pPr/>
-              <a:t>Wednesday, June 07, 2017</a:t>
+              <a:t>Friday, June 09, 2017</a:t>
             </a:fld>
             <a:endParaRPr lang="en-US"/>
           </a:p>
@@ -3159,7 +3163,7 @@
             <a:fld id="{EBDC1E59-17DD-41CE-97CA-624A472382D4}" type="datetime2">
               <a:rPr lang="en-US" smtClean="0"/>
               <a:pPr/>
-              <a:t>Wednesday, June 07, 2017</a:t>
+              <a:t>Friday, June 09, 2017</a:t>
             </a:fld>
             <a:endParaRPr lang="en-US"/>
           </a:p>
@@ -3460,7 +3464,7 @@
             <a:fld id="{A80CB818-7379-467D-8E76-EF9D9074A26C}" type="datetime2">
               <a:rPr lang="en-US" smtClean="0"/>
               <a:pPr/>
-              <a:t>Wednesday, June 07, 2017</a:t>
+              <a:t>Friday, June 09, 2017</a:t>
             </a:fld>
             <a:endParaRPr lang="en-US" dirty="0"/>
           </a:p>
@@ -3910,7 +3914,7 @@
     </p:spTree>
     <p:extLst>
       <p:ext uri="{BB962C8B-B14F-4D97-AF65-F5344CB8AC3E}">
-        <p14:creationId xmlns="" xmlns:p14="http://schemas.microsoft.com/office/powerpoint/2010/main" val="182139768"/>
+        <p14:creationId xmlns:p14="http://schemas.microsoft.com/office/powerpoint/2010/main" xmlns="" val="182139768"/>
       </p:ext>
     </p:extLst>
   </p:cSld>
@@ -3921,6 +3925,50 @@
 </file>
 
 <file path=ppt/slides/slide10.xml><?xml version="1.0" encoding="utf-8"?>
+<p:sld xmlns:a="http://schemas.openxmlformats.org/drawingml/2006/main" xmlns:r="http://schemas.openxmlformats.org/officeDocument/2006/relationships" xmlns:p="http://schemas.openxmlformats.org/presentationml/2006/main">
+  <p:cSld>
+    <p:spTree>
+      <p:nvGrpSpPr>
+        <p:cNvPr id="1" name=""/>
+        <p:cNvGrpSpPr/>
+        <p:nvPr/>
+      </p:nvGrpSpPr>
+      <p:grpSpPr>
+        <a:xfrm>
+          <a:off x="0" y="0"/>
+          <a:ext cx="0" cy="0"/>
+          <a:chOff x="0" y="0"/>
+          <a:chExt cx="0" cy="0"/>
+        </a:xfrm>
+      </p:grpSpPr>
+      <p:sp>
+        <p:nvSpPr>
+          <p:cNvPr id="2" name="Title 1"/>
+          <p:cNvSpPr>
+            <a:spLocks noGrp="1"/>
+          </p:cNvSpPr>
+          <p:nvPr>
+            <p:ph type="title"/>
+          </p:nvPr>
+        </p:nvSpPr>
+        <p:spPr/>
+        <p:txBody>
+          <a:bodyPr/>
+          <a:lstStyle/>
+          <a:p>
+            <a:endParaRPr lang="en-US"/>
+          </a:p>
+        </p:txBody>
+      </p:sp>
+    </p:spTree>
+  </p:cSld>
+  <p:clrMapOvr>
+    <a:masterClrMapping/>
+  </p:clrMapOvr>
+</p:sld>
+</file>
+
+<file path=ppt/slides/slide11.xml><?xml version="1.0" encoding="utf-8"?>
 <p:sld xmlns:a="http://schemas.openxmlformats.org/drawingml/2006/main" xmlns:r="http://schemas.openxmlformats.org/officeDocument/2006/relationships" xmlns:p="http://schemas.openxmlformats.org/presentationml/2006/main">
   <p:cSld>
     <p:spTree>
@@ -4987,11 +5035,7 @@
           <a:p>
             <a:r>
               <a:rPr lang="en-US" dirty="0" smtClean="0"/>
-              <a:t>Waste </a:t>
-            </a:r>
-            <a:r>
-              <a:rPr lang="en-US" dirty="0" smtClean="0"/>
-              <a:t>memory: use memory whilst a program is running even if you no longer need</a:t>
+              <a:t>Waste memory: use memory whilst a program is running even if you no longer need</a:t>
             </a:r>
           </a:p>
           <a:p>
@@ -5090,11 +5134,7 @@
             </a:r>
             <a:r>
               <a:rPr lang="pt-BR" dirty="0" smtClean="0"/>
-              <a:t> : creates a local/lexical variable</a:t>
-            </a:r>
-            <a:r>
-              <a:rPr lang="pt-BR" dirty="0" smtClean="0"/>
-              <a:t>.</a:t>
+              <a:t> : creates a local/lexical variable.</a:t>
             </a:r>
           </a:p>
           <a:p>
@@ -5109,7 +5149,6 @@
               <a:rPr lang="pt-BR" dirty="0" smtClean="0"/>
               <a:t>Each subroutines create variables in local scope and release memory as soon as the subroutine ends. </a:t>
             </a:r>
-            <a:endParaRPr lang="pt-BR" dirty="0" smtClean="0"/>
           </a:p>
           <a:p>
             <a:endParaRPr lang="en-US" dirty="0"/>
@@ -5227,11 +5266,7 @@
           <a:p>
             <a:r>
               <a:rPr lang="en-US" dirty="0" smtClean="0"/>
-              <a:t>disables certain Perl expressions that could behave unexpectedly or are difficult to </a:t>
-            </a:r>
-            <a:r>
-              <a:rPr lang="en-US" dirty="0" smtClean="0"/>
-              <a:t>debug</a:t>
+              <a:t>disables certain Perl expressions that could behave unexpectedly or are difficult to debug</a:t>
             </a:r>
           </a:p>
           <a:p>
